--- a/Final_Mission/기획서/New 기획/자각마녀 중간발표 .potx.pptx
+++ b/Final_Mission/기획서/New 기획/자각마녀 중간발표 .potx.pptx
@@ -10065,80 +10065,6 @@
       </p:pic>
       <p:sp>
         <p:nvSpPr>
-          <p:cNvPr id="4" name="TextBox 3">
-            <a:extLst>
-              <a:ext uri="{FF2B5EF4-FFF2-40B4-BE49-F238E27FC236}">
-                <a16:creationId xmlns:a16="http://schemas.microsoft.com/office/drawing/2014/main" id="{4A4A8766-C57E-457F-8D6A-E924E23026A9}"/>
-              </a:ext>
-            </a:extLst>
-          </p:cNvPr>
-          <p:cNvSpPr txBox="1"/>
-          <p:nvPr/>
-        </p:nvSpPr>
-        <p:spPr>
-          <a:xfrm>
-            <a:off x="2331640" y="2542544"/>
-            <a:ext cx="2425664" cy="369332"/>
-          </a:xfrm>
-          <a:prstGeom prst="rect">
-            <a:avLst/>
-          </a:prstGeom>
-          <a:noFill/>
-        </p:spPr>
-        <p:txBody>
-          <a:bodyPr wrap="none" rtlCol="0">
-            <a:spAutoFit/>
-          </a:bodyPr>
-          <a:lstStyle/>
-          <a:p>
-            <a:r>
-              <a:rPr lang="ko-KR" altLang="en-US" dirty="0" err="1"/>
-              <a:t>마법진</a:t>
-            </a:r>
-            <a:r>
-              <a:rPr lang="ko-KR" altLang="en-US" dirty="0"/>
-              <a:t> 그리는 이미지</a:t>
-            </a:r>
-          </a:p>
-        </p:txBody>
-      </p:sp>
-      <p:sp>
-        <p:nvSpPr>
-          <p:cNvPr id="5" name="TextBox 4">
-            <a:extLst>
-              <a:ext uri="{FF2B5EF4-FFF2-40B4-BE49-F238E27FC236}">
-                <a16:creationId xmlns:a16="http://schemas.microsoft.com/office/drawing/2014/main" id="{FF9FCCFC-A2A4-4B6F-B779-CB57536A8C62}"/>
-              </a:ext>
-            </a:extLst>
-          </p:cNvPr>
-          <p:cNvSpPr txBox="1"/>
-          <p:nvPr/>
-        </p:nvSpPr>
-        <p:spPr>
-          <a:xfrm>
-            <a:off x="7546019" y="2911876"/>
-            <a:ext cx="1420582" cy="369332"/>
-          </a:xfrm>
-          <a:prstGeom prst="rect">
-            <a:avLst/>
-          </a:prstGeom>
-          <a:noFill/>
-        </p:spPr>
-        <p:txBody>
-          <a:bodyPr wrap="none" rtlCol="0">
-            <a:spAutoFit/>
-          </a:bodyPr>
-          <a:lstStyle/>
-          <a:p>
-            <a:r>
-              <a:rPr lang="ko-KR" altLang="en-US" dirty="0"/>
-              <a:t>스킬 이미지</a:t>
-            </a:r>
-          </a:p>
-        </p:txBody>
-      </p:sp>
-      <p:sp>
-        <p:nvSpPr>
           <p:cNvPr id="13" name="모서리가 둥근 직사각형 92">
             <a:extLst>
               <a:ext uri="{FF2B5EF4-FFF2-40B4-BE49-F238E27FC236}">
@@ -10331,6 +10257,150 @@
           </a:p>
         </p:txBody>
       </p:sp>
+      <p:pic>
+        <p:nvPicPr>
+          <p:cNvPr id="7" name="그림 6">
+            <a:extLst>
+              <a:ext uri="{FF2B5EF4-FFF2-40B4-BE49-F238E27FC236}">
+                <a16:creationId xmlns:a16="http://schemas.microsoft.com/office/drawing/2014/main" id="{482B1920-42B7-4F34-9C2B-2C5AC852A01E}"/>
+              </a:ext>
+            </a:extLst>
+          </p:cNvPr>
+          <p:cNvPicPr>
+            <a:picLocks noChangeAspect="1"/>
+          </p:cNvPicPr>
+          <p:nvPr/>
+        </p:nvPicPr>
+        <p:blipFill>
+          <a:blip r:embed="rId4" cstate="print">
+            <a:extLst>
+              <a:ext uri="{28A0092B-C50C-407E-A947-70E740481C1C}">
+                <a14:useLocalDpi xmlns:a14="http://schemas.microsoft.com/office/drawing/2010/main" val="0"/>
+              </a:ext>
+            </a:extLst>
+          </a:blip>
+          <a:stretch>
+            <a:fillRect/>
+          </a:stretch>
+        </p:blipFill>
+        <p:spPr>
+          <a:xfrm>
+            <a:off x="878810" y="1408992"/>
+            <a:ext cx="3040954" cy="1710536"/>
+          </a:xfrm>
+          <a:prstGeom prst="rect">
+            <a:avLst/>
+          </a:prstGeom>
+        </p:spPr>
+      </p:pic>
+      <p:pic>
+        <p:nvPicPr>
+          <p:cNvPr id="15" name="그림 14">
+            <a:extLst>
+              <a:ext uri="{FF2B5EF4-FFF2-40B4-BE49-F238E27FC236}">
+                <a16:creationId xmlns:a16="http://schemas.microsoft.com/office/drawing/2014/main" id="{D4B065DA-49DC-4E9F-8720-27F5E9B8208E}"/>
+              </a:ext>
+            </a:extLst>
+          </p:cNvPr>
+          <p:cNvPicPr>
+            <a:picLocks noChangeAspect="1"/>
+          </p:cNvPicPr>
+          <p:nvPr/>
+        </p:nvPicPr>
+        <p:blipFill>
+          <a:blip r:embed="rId5" cstate="print">
+            <a:extLst>
+              <a:ext uri="{28A0092B-C50C-407E-A947-70E740481C1C}">
+                <a14:useLocalDpi xmlns:a14="http://schemas.microsoft.com/office/drawing/2010/main" val="0"/>
+              </a:ext>
+            </a:extLst>
+          </a:blip>
+          <a:stretch>
+            <a:fillRect/>
+          </a:stretch>
+        </p:blipFill>
+        <p:spPr>
+          <a:xfrm>
+            <a:off x="6067425" y="1408992"/>
+            <a:ext cx="2905594" cy="1634396"/>
+          </a:xfrm>
+          <a:prstGeom prst="rect">
+            <a:avLst/>
+          </a:prstGeom>
+        </p:spPr>
+      </p:pic>
+      <p:pic>
+        <p:nvPicPr>
+          <p:cNvPr id="17" name="그림 16">
+            <a:extLst>
+              <a:ext uri="{FF2B5EF4-FFF2-40B4-BE49-F238E27FC236}">
+                <a16:creationId xmlns:a16="http://schemas.microsoft.com/office/drawing/2014/main" id="{BA4E38EC-49B3-4B50-8777-1797B5B4D54A}"/>
+              </a:ext>
+            </a:extLst>
+          </p:cNvPr>
+          <p:cNvPicPr>
+            <a:picLocks noChangeAspect="1"/>
+          </p:cNvPicPr>
+          <p:nvPr/>
+        </p:nvPicPr>
+        <p:blipFill>
+          <a:blip r:embed="rId6" cstate="print">
+            <a:extLst>
+              <a:ext uri="{28A0092B-C50C-407E-A947-70E740481C1C}">
+                <a14:useLocalDpi xmlns:a14="http://schemas.microsoft.com/office/drawing/2010/main" val="0"/>
+              </a:ext>
+            </a:extLst>
+          </a:blip>
+          <a:stretch>
+            <a:fillRect/>
+          </a:stretch>
+        </p:blipFill>
+        <p:spPr>
+          <a:xfrm>
+            <a:off x="8405121" y="3119528"/>
+            <a:ext cx="2927957" cy="1646976"/>
+          </a:xfrm>
+          <a:prstGeom prst="rect">
+            <a:avLst/>
+          </a:prstGeom>
+        </p:spPr>
+      </p:pic>
+      <p:pic>
+        <p:nvPicPr>
+          <p:cNvPr id="21" name="그림 20">
+            <a:extLst>
+              <a:ext uri="{FF2B5EF4-FFF2-40B4-BE49-F238E27FC236}">
+                <a16:creationId xmlns:a16="http://schemas.microsoft.com/office/drawing/2014/main" id="{7012D8E2-7874-477C-A3D6-E6D8D8370087}"/>
+              </a:ext>
+            </a:extLst>
+          </p:cNvPr>
+          <p:cNvPicPr>
+            <a:picLocks noChangeAspect="1"/>
+          </p:cNvPicPr>
+          <p:nvPr/>
+        </p:nvPicPr>
+        <p:blipFill>
+          <a:blip r:embed="rId7" cstate="print">
+            <a:extLst>
+              <a:ext uri="{28A0092B-C50C-407E-A947-70E740481C1C}">
+                <a14:useLocalDpi xmlns:a14="http://schemas.microsoft.com/office/drawing/2010/main" val="0"/>
+              </a:ext>
+            </a:extLst>
+          </a:blip>
+          <a:stretch>
+            <a:fillRect/>
+          </a:stretch>
+        </p:blipFill>
+        <p:spPr>
+          <a:xfrm>
+            <a:off x="3287612" y="3206954"/>
+            <a:ext cx="2779813" cy="1563645"/>
+          </a:xfrm>
+          <a:prstGeom prst="rect">
+            <a:avLst/>
+          </a:prstGeom>
+        </p:spPr>
+      </p:pic>
     </p:spTree>
     <p:extLst>
       <p:ext uri="{BB962C8B-B14F-4D97-AF65-F5344CB8AC3E}">

--- a/Final_Mission/기획서/New 기획/자각마녀 중간발표 .potx.pptx
+++ b/Final_Mission/기획서/New 기획/자각마녀 중간발표 .potx.pptx
@@ -7260,6 +7260,50 @@
           <a:p>
             <a:pPr algn="ctr"/>
             <a:endParaRPr lang="ko-KR" altLang="en-US"/>
+          </a:p>
+        </p:txBody>
+      </p:sp>
+      <p:sp>
+        <p:nvSpPr>
+          <p:cNvPr id="10" name="TextBox 9">
+            <a:extLst>
+              <a:ext uri="{FF2B5EF4-FFF2-40B4-BE49-F238E27FC236}">
+                <a16:creationId xmlns:a16="http://schemas.microsoft.com/office/drawing/2014/main" id="{7F17DD7B-0F24-4F89-AAE0-D463F5F5B7D0}"/>
+              </a:ext>
+            </a:extLst>
+          </p:cNvPr>
+          <p:cNvSpPr txBox="1"/>
+          <p:nvPr/>
+        </p:nvSpPr>
+        <p:spPr>
+          <a:xfrm>
+            <a:off x="11418476" y="6457890"/>
+            <a:ext cx="849913" cy="400110"/>
+          </a:xfrm>
+          <a:prstGeom prst="rect">
+            <a:avLst/>
+          </a:prstGeom>
+          <a:noFill/>
+        </p:spPr>
+        <p:txBody>
+          <a:bodyPr wrap="none" rtlCol="0">
+            <a:spAutoFit/>
+          </a:bodyPr>
+          <a:lstStyle/>
+          <a:p>
+            <a:r>
+              <a:rPr lang="en-US" altLang="ko-KR" sz="2000" dirty="0">
+                <a:solidFill>
+                  <a:schemeClr val="bg1"/>
+                </a:solidFill>
+              </a:rPr>
+              <a:t>12/13</a:t>
+            </a:r>
+            <a:endParaRPr lang="ko-KR" altLang="en-US" sz="2000" dirty="0">
+              <a:solidFill>
+                <a:schemeClr val="bg1"/>
+              </a:solidFill>
+            </a:endParaRPr>
           </a:p>
         </p:txBody>
       </p:sp>

--- a/Final_Mission/기획서/New 기획/자각마녀 중간발표 .potx.pptx
+++ b/Final_Mission/기획서/New 기획/자각마녀 중간발표 .potx.pptx
@@ -220,7 +220,7 @@
           <a:p>
             <a:fld id="{7E456F9C-87AB-4DF5-B484-42DB36595F6A}" type="datetimeFigureOut">
               <a:rPr lang="ko-KR" altLang="en-US" smtClean="0"/>
-              <a:t>2018-05-09</a:t>
+              <a:t>2018-05-12</a:t>
             </a:fld>
             <a:endParaRPr lang="ko-KR" altLang="en-US"/>
           </a:p>
@@ -616,7 +616,7 @@
           <a:p>
             <a:fld id="{1EC43FEB-CA4E-45D7-9007-AB8705F7A7B5}" type="datetimeFigureOut">
               <a:rPr lang="ko-KR" altLang="en-US" smtClean="0"/>
-              <a:t>2018-05-09</a:t>
+              <a:t>2018-05-12</a:t>
             </a:fld>
             <a:endParaRPr lang="ko-KR" altLang="en-US"/>
           </a:p>
@@ -784,7 +784,7 @@
           <a:p>
             <a:fld id="{1EC43FEB-CA4E-45D7-9007-AB8705F7A7B5}" type="datetimeFigureOut">
               <a:rPr lang="ko-KR" altLang="en-US" smtClean="0"/>
-              <a:t>2018-05-09</a:t>
+              <a:t>2018-05-12</a:t>
             </a:fld>
             <a:endParaRPr lang="ko-KR" altLang="en-US"/>
           </a:p>
@@ -962,7 +962,7 @@
           <a:p>
             <a:fld id="{1EC43FEB-CA4E-45D7-9007-AB8705F7A7B5}" type="datetimeFigureOut">
               <a:rPr lang="ko-KR" altLang="en-US" smtClean="0"/>
-              <a:t>2018-05-09</a:t>
+              <a:t>2018-05-12</a:t>
             </a:fld>
             <a:endParaRPr lang="ko-KR" altLang="en-US"/>
           </a:p>
@@ -1130,7 +1130,7 @@
           <a:p>
             <a:fld id="{1EC43FEB-CA4E-45D7-9007-AB8705F7A7B5}" type="datetimeFigureOut">
               <a:rPr lang="ko-KR" altLang="en-US" smtClean="0"/>
-              <a:t>2018-05-09</a:t>
+              <a:t>2018-05-12</a:t>
             </a:fld>
             <a:endParaRPr lang="ko-KR" altLang="en-US"/>
           </a:p>
@@ -1375,7 +1375,7 @@
           <a:p>
             <a:fld id="{1EC43FEB-CA4E-45D7-9007-AB8705F7A7B5}" type="datetimeFigureOut">
               <a:rPr lang="ko-KR" altLang="en-US" smtClean="0"/>
-              <a:t>2018-05-09</a:t>
+              <a:t>2018-05-12</a:t>
             </a:fld>
             <a:endParaRPr lang="ko-KR" altLang="en-US"/>
           </a:p>
@@ -1604,7 +1604,7 @@
           <a:p>
             <a:fld id="{1EC43FEB-CA4E-45D7-9007-AB8705F7A7B5}" type="datetimeFigureOut">
               <a:rPr lang="ko-KR" altLang="en-US" smtClean="0"/>
-              <a:t>2018-05-09</a:t>
+              <a:t>2018-05-12</a:t>
             </a:fld>
             <a:endParaRPr lang="ko-KR" altLang="en-US"/>
           </a:p>
@@ -1968,7 +1968,7 @@
           <a:p>
             <a:fld id="{1EC43FEB-CA4E-45D7-9007-AB8705F7A7B5}" type="datetimeFigureOut">
               <a:rPr lang="ko-KR" altLang="en-US" smtClean="0"/>
-              <a:t>2018-05-09</a:t>
+              <a:t>2018-05-12</a:t>
             </a:fld>
             <a:endParaRPr lang="ko-KR" altLang="en-US"/>
           </a:p>
@@ -2085,7 +2085,7 @@
           <a:p>
             <a:fld id="{1EC43FEB-CA4E-45D7-9007-AB8705F7A7B5}" type="datetimeFigureOut">
               <a:rPr lang="ko-KR" altLang="en-US" smtClean="0"/>
-              <a:t>2018-05-09</a:t>
+              <a:t>2018-05-12</a:t>
             </a:fld>
             <a:endParaRPr lang="ko-KR" altLang="en-US"/>
           </a:p>
@@ -2180,7 +2180,7 @@
           <a:p>
             <a:fld id="{1EC43FEB-CA4E-45D7-9007-AB8705F7A7B5}" type="datetimeFigureOut">
               <a:rPr lang="ko-KR" altLang="en-US" smtClean="0"/>
-              <a:t>2018-05-09</a:t>
+              <a:t>2018-05-12</a:t>
             </a:fld>
             <a:endParaRPr lang="ko-KR" altLang="en-US"/>
           </a:p>
@@ -2455,7 +2455,7 @@
           <a:p>
             <a:fld id="{1EC43FEB-CA4E-45D7-9007-AB8705F7A7B5}" type="datetimeFigureOut">
               <a:rPr lang="ko-KR" altLang="en-US" smtClean="0"/>
-              <a:t>2018-05-09</a:t>
+              <a:t>2018-05-12</a:t>
             </a:fld>
             <a:endParaRPr lang="ko-KR" altLang="en-US"/>
           </a:p>
@@ -2710,7 +2710,7 @@
           <a:p>
             <a:fld id="{1EC43FEB-CA4E-45D7-9007-AB8705F7A7B5}" type="datetimeFigureOut">
               <a:rPr lang="ko-KR" altLang="en-US" smtClean="0"/>
-              <a:t>2018-05-09</a:t>
+              <a:t>2018-05-12</a:t>
             </a:fld>
             <a:endParaRPr lang="ko-KR" altLang="en-US"/>
           </a:p>
@@ -2924,7 +2924,7 @@
           <a:p>
             <a:fld id="{1EC43FEB-CA4E-45D7-9007-AB8705F7A7B5}" type="datetimeFigureOut">
               <a:rPr lang="ko-KR" altLang="en-US" smtClean="0"/>
-              <a:t>2018-05-09</a:t>
+              <a:t>2018-05-12</a:t>
             </a:fld>
             <a:endParaRPr lang="ko-KR" altLang="en-US"/>
           </a:p>
@@ -7387,7 +7387,7 @@
         </p:nvSpPr>
         <p:spPr>
           <a:xfrm>
-            <a:off x="4309465" y="2976815"/>
+            <a:off x="4309465" y="6137266"/>
             <a:ext cx="3573070" cy="523164"/>
           </a:xfrm>
           <a:prstGeom prst="rect">
@@ -7422,6 +7422,86 @@
               </a:solidFill>
               <a:latin typeface="Century Gothic" pitchFamily="34" charset="0"/>
               <a:cs typeface="Consolas" pitchFamily="49" charset="0"/>
+            </a:endParaRPr>
+          </a:p>
+        </p:txBody>
+      </p:sp>
+      <p:pic>
+        <p:nvPicPr>
+          <p:cNvPr id="5" name="그림 4">
+            <a:extLst>
+              <a:ext uri="{FF2B5EF4-FFF2-40B4-BE49-F238E27FC236}">
+                <a16:creationId xmlns:a16="http://schemas.microsoft.com/office/drawing/2014/main" id="{CCA8BE98-7A09-402F-A13A-0EA6718E84DC}"/>
+              </a:ext>
+            </a:extLst>
+          </p:cNvPr>
+          <p:cNvPicPr>
+            <a:picLocks noChangeAspect="1"/>
+          </p:cNvPicPr>
+          <p:nvPr/>
+        </p:nvPicPr>
+        <p:blipFill>
+          <a:blip r:embed="rId3">
+            <a:extLst>
+              <a:ext uri="{28A0092B-C50C-407E-A947-70E740481C1C}">
+                <a14:useLocalDpi xmlns:a14="http://schemas.microsoft.com/office/drawing/2010/main" val="0"/>
+              </a:ext>
+            </a:extLst>
+          </a:blip>
+          <a:stretch>
+            <a:fillRect/>
+          </a:stretch>
+        </p:blipFill>
+        <p:spPr>
+          <a:xfrm>
+            <a:off x="203830" y="197570"/>
+            <a:ext cx="9765313" cy="4960356"/>
+          </a:xfrm>
+          <a:prstGeom prst="rect">
+            <a:avLst/>
+          </a:prstGeom>
+        </p:spPr>
+      </p:pic>
+      <p:sp>
+        <p:nvSpPr>
+          <p:cNvPr id="6" name="직사각형 5">
+            <a:extLst>
+              <a:ext uri="{FF2B5EF4-FFF2-40B4-BE49-F238E27FC236}">
+                <a16:creationId xmlns:a16="http://schemas.microsoft.com/office/drawing/2014/main" id="{5EA2E5C6-D3EE-42B7-9A15-81ADB8336019}"/>
+              </a:ext>
+            </a:extLst>
+          </p:cNvPr>
+          <p:cNvSpPr/>
+          <p:nvPr/>
+        </p:nvSpPr>
+        <p:spPr>
+          <a:xfrm>
+            <a:off x="7062605" y="5638631"/>
+            <a:ext cx="5009128" cy="369332"/>
+          </a:xfrm>
+          <a:prstGeom prst="rect">
+            <a:avLst/>
+          </a:prstGeom>
+        </p:spPr>
+        <p:txBody>
+          <a:bodyPr wrap="none">
+            <a:spAutoFit/>
+          </a:bodyPr>
+          <a:lstStyle/>
+          <a:p>
+            <a:r>
+              <a:rPr lang="ko-KR" altLang="en-US" dirty="0">
+                <a:solidFill>
+                  <a:schemeClr val="bg1"/>
+                </a:solidFill>
+                <a:hlinkClick r:id="rId4"/>
+              </a:rPr>
+              <a:t>https://github.com/wooloves39/Final_Mission_</a:t>
+            </a:r>
+            <a:endParaRPr lang="ko-KR" altLang="en-US" dirty="0">
+              <a:solidFill>
+                <a:schemeClr val="bg1"/>
+              </a:solidFill>
             </a:endParaRPr>
           </a:p>
         </p:txBody>
